--- a/AuToMaToN Pres.pptx
+++ b/AuToMaToN Pres.pptx
@@ -4090,6 +4090,10 @@
           <a:bodyPr/>
           <a:lstStyle/>
           <a:p>
+            <a:r>
+              <a:rPr lang="en-GB" dirty="0" smtClean="0"/>
+              <a:t>I did it.</a:t>
+            </a:r>
             <a:endParaRPr lang="en-GB" dirty="0"/>
           </a:p>
         </p:txBody>
@@ -4171,7 +4175,11 @@
           <a:bodyPr/>
           <a:lstStyle/>
           <a:p>
-            <a:endParaRPr lang="en-GB"/>
+            <a:r>
+              <a:rPr lang="en-GB" dirty="0" smtClean="0"/>
+              <a:t>I did it.</a:t>
+            </a:r>
+            <a:endParaRPr lang="en-GB" dirty="0"/>
           </a:p>
         </p:txBody>
       </p:sp>

--- a/AuToMaToN Pres.pptx
+++ b/AuToMaToN Pres.pptx
@@ -19,7 +19,8 @@
     <p:sldId id="259" r:id="rId13"/>
     <p:sldId id="273" r:id="rId14"/>
     <p:sldId id="265" r:id="rId15"/>
-    <p:sldId id="260" r:id="rId16"/>
+    <p:sldId id="274" r:id="rId16"/>
+    <p:sldId id="260" r:id="rId17"/>
   </p:sldIdLst>
   <p:sldSz cx="9144000" cy="6858000" type="screen4x3"/>
   <p:notesSz cx="6858000" cy="9144000"/>
@@ -3599,25 +3600,6 @@
           </a:p>
         </p:txBody>
       </p:sp>
-      <p:sp>
-        <p:nvSpPr>
-          <p:cNvPr id="3" name="Content Placeholder 2"/>
-          <p:cNvSpPr>
-            <a:spLocks noGrp="1"/>
-          </p:cNvSpPr>
-          <p:nvPr>
-            <p:ph idx="1"/>
-          </p:nvPr>
-        </p:nvSpPr>
-        <p:spPr/>
-        <p:txBody>
-          <a:bodyPr/>
-          <a:lstStyle/>
-          <a:p>
-            <a:endParaRPr lang="en-GB"/>
-          </a:p>
-        </p:txBody>
-      </p:sp>
     </p:spTree>
     <p:extLst>
       <p:ext uri="{BB962C8B-B14F-4D97-AF65-F5344CB8AC3E}">
@@ -3639,6 +3621,71 @@
 </file>
 
 <file path=ppt/slides/slide15.xml><?xml version="1.0" encoding="utf-8"?>
+<p:sld xmlns:a="http://schemas.openxmlformats.org/drawingml/2006/main" xmlns:r="http://schemas.openxmlformats.org/officeDocument/2006/relationships" xmlns:p="http://schemas.openxmlformats.org/presentationml/2006/main">
+  <p:cSld>
+    <p:spTree>
+      <p:nvGrpSpPr>
+        <p:cNvPr id="1" name=""/>
+        <p:cNvGrpSpPr/>
+        <p:nvPr/>
+      </p:nvGrpSpPr>
+      <p:grpSpPr>
+        <a:xfrm>
+          <a:off x="0" y="0"/>
+          <a:ext cx="0" cy="0"/>
+          <a:chOff x="0" y="0"/>
+          <a:chExt cx="0" cy="0"/>
+        </a:xfrm>
+      </p:grpSpPr>
+      <p:pic>
+        <p:nvPicPr>
+          <p:cNvPr id="6" name="Content Placeholder 5"/>
+          <p:cNvPicPr>
+            <a:picLocks noGrp="1" noChangeAspect="1"/>
+          </p:cNvPicPr>
+          <p:nvPr>
+            <p:ph idx="1"/>
+          </p:nvPr>
+        </p:nvPicPr>
+        <p:blipFill rotWithShape="1">
+          <a:blip r:embed="rId2" cstate="print">
+            <a:extLst>
+              <a:ext uri="{28A0092B-C50C-407E-A947-70E740481C1C}">
+                <a14:useLocalDpi xmlns:a14="http://schemas.microsoft.com/office/drawing/2010/main" val="0"/>
+              </a:ext>
+            </a:extLst>
+          </a:blip>
+          <a:srcRect l="14852" r="41019"/>
+          <a:stretch/>
+        </p:blipFill>
+        <p:spPr>
+          <a:xfrm>
+            <a:off x="395536" y="332656"/>
+            <a:ext cx="7823200" cy="5998718"/>
+          </a:xfrm>
+        </p:spPr>
+      </p:pic>
+    </p:spTree>
+    <p:extLst>
+      <p:ext uri="{BB962C8B-B14F-4D97-AF65-F5344CB8AC3E}">
+        <p14:creationId xmlns:p14="http://schemas.microsoft.com/office/powerpoint/2010/main" val="2578875324"/>
+      </p:ext>
+    </p:extLst>
+  </p:cSld>
+  <p:clrMapOvr>
+    <a:masterClrMapping/>
+  </p:clrMapOvr>
+  <p:timing>
+    <p:tnLst>
+      <p:par>
+        <p:cTn id="1" dur="indefinite" restart="never" nodeType="tmRoot"/>
+      </p:par>
+    </p:tnLst>
+  </p:timing>
+</p:sld>
+</file>
+
+<file path=ppt/slides/slide16.xml><?xml version="1.0" encoding="utf-8"?>
 <p:sld xmlns:a="http://schemas.openxmlformats.org/drawingml/2006/main" xmlns:r="http://schemas.openxmlformats.org/officeDocument/2006/relationships" xmlns:p="http://schemas.openxmlformats.org/presentationml/2006/main">
   <p:cSld>
     <p:spTree>

--- a/AuToMaToN Pres.pptx
+++ b/AuToMaToN Pres.pptx
@@ -12,15 +12,16 @@
     <p:sldId id="257" r:id="rId6"/>
     <p:sldId id="261" r:id="rId7"/>
     <p:sldId id="262" r:id="rId8"/>
-    <p:sldId id="258" r:id="rId9"/>
-    <p:sldId id="271" r:id="rId10"/>
-    <p:sldId id="266" r:id="rId11"/>
-    <p:sldId id="272" r:id="rId12"/>
-    <p:sldId id="259" r:id="rId13"/>
-    <p:sldId id="273" r:id="rId14"/>
-    <p:sldId id="265" r:id="rId15"/>
-    <p:sldId id="274" r:id="rId16"/>
-    <p:sldId id="260" r:id="rId17"/>
+    <p:sldId id="275" r:id="rId9"/>
+    <p:sldId id="258" r:id="rId10"/>
+    <p:sldId id="271" r:id="rId11"/>
+    <p:sldId id="266" r:id="rId12"/>
+    <p:sldId id="272" r:id="rId13"/>
+    <p:sldId id="259" r:id="rId14"/>
+    <p:sldId id="273" r:id="rId15"/>
+    <p:sldId id="265" r:id="rId16"/>
+    <p:sldId id="274" r:id="rId17"/>
+    <p:sldId id="260" r:id="rId18"/>
   </p:sldIdLst>
   <p:sldSz cx="9144000" cy="6858000" type="screen4x3"/>
   <p:notesSz cx="6858000" cy="9144000"/>
@@ -3128,66 +3129,10 @@
           <a:lstStyle/>
           <a:p>
             <a:r>
-              <a:rPr lang="en-GB" sz="8000" dirty="0" err="1" smtClean="0">
-                <a:solidFill>
-                  <a:srgbClr val="FF0000"/>
-                </a:solidFill>
-              </a:rPr>
-              <a:t>A</a:t>
-            </a:r>
-            <a:r>
-              <a:rPr lang="en-GB" sz="8000" dirty="0" err="1" smtClean="0"/>
-              <a:t>u</a:t>
-            </a:r>
-            <a:r>
-              <a:rPr lang="en-GB" sz="8000" dirty="0" err="1" smtClean="0">
-                <a:solidFill>
-                  <a:srgbClr val="FF0000"/>
-                </a:solidFill>
-              </a:rPr>
-              <a:t>T</a:t>
-            </a:r>
-            <a:r>
-              <a:rPr lang="en-GB" sz="8000" dirty="0" err="1" smtClean="0"/>
-              <a:t>o</a:t>
-            </a:r>
-            <a:r>
-              <a:rPr lang="en-GB" sz="8000" dirty="0" err="1" smtClean="0">
-                <a:solidFill>
-                  <a:srgbClr val="FF0000"/>
-                </a:solidFill>
-              </a:rPr>
-              <a:t>M</a:t>
-            </a:r>
-            <a:r>
-              <a:rPr lang="en-GB" sz="8000" dirty="0" err="1" smtClean="0"/>
-              <a:t>a</a:t>
-            </a:r>
-            <a:r>
-              <a:rPr lang="en-GB" sz="8000" dirty="0" err="1" smtClean="0">
-                <a:solidFill>
-                  <a:srgbClr val="FF0000"/>
-                </a:solidFill>
-              </a:rPr>
-              <a:t>T</a:t>
-            </a:r>
-            <a:r>
-              <a:rPr lang="en-GB" sz="8000" dirty="0" err="1" smtClean="0"/>
-              <a:t>o</a:t>
-            </a:r>
-            <a:r>
-              <a:rPr lang="en-GB" sz="8000" dirty="0" err="1">
-                <a:solidFill>
-                  <a:srgbClr val="FF0000"/>
-                </a:solidFill>
-              </a:rPr>
-              <a:t>N</a:t>
-            </a:r>
-            <a:endParaRPr lang="en-GB" sz="8000" dirty="0">
-              <a:solidFill>
-                <a:srgbClr val="FF0000"/>
-              </a:solidFill>
-            </a:endParaRPr>
+              <a:rPr lang="en-GB" sz="8000" dirty="0" smtClean="0"/>
+              <a:t>ATMTN</a:t>
+            </a:r>
+            <a:endParaRPr lang="en-GB" sz="8000" dirty="0"/>
           </a:p>
         </p:txBody>
       </p:sp>
@@ -3277,8 +3222,8 @@
           <a:lstStyle/>
           <a:p>
             <a:r>
-              <a:rPr lang="en-GB" dirty="0" err="1" smtClean="0"/>
-              <a:t>Jira</a:t>
+              <a:rPr lang="en-GB" dirty="0" smtClean="0"/>
+              <a:t>Puppet Master</a:t>
             </a:r>
             <a:endParaRPr lang="en-GB" dirty="0"/>
           </a:p>
@@ -3306,7 +3251,7 @@
     </p:spTree>
     <p:extLst>
       <p:ext uri="{BB962C8B-B14F-4D97-AF65-F5344CB8AC3E}">
-        <p14:creationId xmlns:p14="http://schemas.microsoft.com/office/powerpoint/2010/main" val="3153135416"/>
+        <p14:creationId xmlns:p14="http://schemas.microsoft.com/office/powerpoint/2010/main" val="3458420258"/>
       </p:ext>
     </p:extLst>
   </p:cSld>
@@ -3352,12 +3297,14 @@
         </p:nvSpPr>
         <p:spPr/>
         <p:txBody>
-          <a:bodyPr/>
-          <a:lstStyle/>
-          <a:p>
-            <a:r>
-              <a:rPr lang="en-GB" dirty="0" smtClean="0"/>
-              <a:t>Jenkins</a:t>
+          <a:bodyPr>
+            <a:normAutofit/>
+          </a:bodyPr>
+          <a:lstStyle/>
+          <a:p>
+            <a:r>
+              <a:rPr lang="en-GB" dirty="0" err="1" smtClean="0"/>
+              <a:t>Jira</a:t>
             </a:r>
             <a:endParaRPr lang="en-GB" dirty="0"/>
           </a:p>
@@ -3385,7 +3332,7 @@
     </p:spTree>
     <p:extLst>
       <p:ext uri="{BB962C8B-B14F-4D97-AF65-F5344CB8AC3E}">
-        <p14:creationId xmlns:p14="http://schemas.microsoft.com/office/powerpoint/2010/main" val="2017699523"/>
+        <p14:creationId xmlns:p14="http://schemas.microsoft.com/office/powerpoint/2010/main" val="3153135416"/>
       </p:ext>
     </p:extLst>
   </p:cSld>
@@ -3426,7 +3373,7 @@
             <a:spLocks noGrp="1"/>
           </p:cNvSpPr>
           <p:nvPr>
-            <p:ph type="ctrTitle"/>
+            <p:ph type="title"/>
           </p:nvPr>
         </p:nvSpPr>
         <p:spPr/>
@@ -3436,7 +3383,7 @@
           <a:p>
             <a:r>
               <a:rPr lang="en-GB" dirty="0" smtClean="0"/>
-              <a:t>Tim Goodwin</a:t>
+              <a:t>Jenkins</a:t>
             </a:r>
             <a:endParaRPr lang="en-GB" dirty="0"/>
           </a:p>
@@ -3444,12 +3391,12 @@
       </p:sp>
       <p:sp>
         <p:nvSpPr>
-          <p:cNvPr id="4" name="Subtitle 3"/>
-          <p:cNvSpPr>
-            <a:spLocks noGrp="1"/>
-          </p:cNvSpPr>
-          <p:nvPr>
-            <p:ph type="subTitle" idx="1"/>
+          <p:cNvPr id="3" name="Content Placeholder 2"/>
+          <p:cNvSpPr>
+            <a:spLocks noGrp="1"/>
+          </p:cNvSpPr>
+          <p:nvPr>
+            <p:ph idx="1"/>
           </p:nvPr>
         </p:nvSpPr>
         <p:spPr/>
@@ -3464,7 +3411,7 @@
     </p:spTree>
     <p:extLst>
       <p:ext uri="{BB962C8B-B14F-4D97-AF65-F5344CB8AC3E}">
-        <p14:creationId xmlns:p14="http://schemas.microsoft.com/office/powerpoint/2010/main" val="196564738"/>
+        <p14:creationId xmlns:p14="http://schemas.microsoft.com/office/powerpoint/2010/main" val="2017699523"/>
       </p:ext>
     </p:extLst>
   </p:cSld>
@@ -3505,7 +3452,7 @@
             <a:spLocks noGrp="1"/>
           </p:cNvSpPr>
           <p:nvPr>
-            <p:ph type="title"/>
+            <p:ph type="ctrTitle"/>
           </p:nvPr>
         </p:nvSpPr>
         <p:spPr/>
@@ -3515,7 +3462,7 @@
           <a:p>
             <a:r>
               <a:rPr lang="en-GB" dirty="0" smtClean="0"/>
-              <a:t>Git</a:t>
+              <a:t>Tim Goodwin</a:t>
             </a:r>
             <a:endParaRPr lang="en-GB" dirty="0"/>
           </a:p>
@@ -3523,12 +3470,12 @@
       </p:sp>
       <p:sp>
         <p:nvSpPr>
-          <p:cNvPr id="3" name="Content Placeholder 2"/>
-          <p:cNvSpPr>
-            <a:spLocks noGrp="1"/>
-          </p:cNvSpPr>
-          <p:nvPr>
-            <p:ph idx="1"/>
+          <p:cNvPr id="4" name="Subtitle 3"/>
+          <p:cNvSpPr>
+            <a:spLocks noGrp="1"/>
+          </p:cNvSpPr>
+          <p:nvPr>
+            <p:ph type="subTitle" idx="1"/>
           </p:nvPr>
         </p:nvSpPr>
         <p:spPr/>
@@ -3543,7 +3490,7 @@
     </p:spTree>
     <p:extLst>
       <p:ext uri="{BB962C8B-B14F-4D97-AF65-F5344CB8AC3E}">
-        <p14:creationId xmlns:p14="http://schemas.microsoft.com/office/powerpoint/2010/main" val="2603803261"/>
+        <p14:creationId xmlns:p14="http://schemas.microsoft.com/office/powerpoint/2010/main" val="196564738"/>
       </p:ext>
     </p:extLst>
   </p:cSld>
@@ -3594,6 +3541,85 @@
           <a:p>
             <a:r>
               <a:rPr lang="en-GB" dirty="0" smtClean="0"/>
+              <a:t>Git</a:t>
+            </a:r>
+            <a:endParaRPr lang="en-GB" dirty="0"/>
+          </a:p>
+        </p:txBody>
+      </p:sp>
+      <p:sp>
+        <p:nvSpPr>
+          <p:cNvPr id="3" name="Content Placeholder 2"/>
+          <p:cNvSpPr>
+            <a:spLocks noGrp="1"/>
+          </p:cNvSpPr>
+          <p:nvPr>
+            <p:ph idx="1"/>
+          </p:nvPr>
+        </p:nvSpPr>
+        <p:spPr/>
+        <p:txBody>
+          <a:bodyPr/>
+          <a:lstStyle/>
+          <a:p>
+            <a:endParaRPr lang="en-GB"/>
+          </a:p>
+        </p:txBody>
+      </p:sp>
+    </p:spTree>
+    <p:extLst>
+      <p:ext uri="{BB962C8B-B14F-4D97-AF65-F5344CB8AC3E}">
+        <p14:creationId xmlns:p14="http://schemas.microsoft.com/office/powerpoint/2010/main" val="2603803261"/>
+      </p:ext>
+    </p:extLst>
+  </p:cSld>
+  <p:clrMapOvr>
+    <a:masterClrMapping/>
+  </p:clrMapOvr>
+  <p:timing>
+    <p:tnLst>
+      <p:par>
+        <p:cTn id="1" dur="indefinite" restart="never" nodeType="tmRoot"/>
+      </p:par>
+    </p:tnLst>
+  </p:timing>
+</p:sld>
+</file>
+
+<file path=ppt/slides/slide15.xml><?xml version="1.0" encoding="utf-8"?>
+<p:sld xmlns:a="http://schemas.openxmlformats.org/drawingml/2006/main" xmlns:r="http://schemas.openxmlformats.org/officeDocument/2006/relationships" xmlns:p="http://schemas.openxmlformats.org/presentationml/2006/main">
+  <p:cSld>
+    <p:spTree>
+      <p:nvGrpSpPr>
+        <p:cNvPr id="1" name=""/>
+        <p:cNvGrpSpPr/>
+        <p:nvPr/>
+      </p:nvGrpSpPr>
+      <p:grpSpPr>
+        <a:xfrm>
+          <a:off x="0" y="0"/>
+          <a:ext cx="0" cy="0"/>
+          <a:chOff x="0" y="0"/>
+          <a:chExt cx="0" cy="0"/>
+        </a:xfrm>
+      </p:grpSpPr>
+      <p:sp>
+        <p:nvSpPr>
+          <p:cNvPr id="2" name="Title 1"/>
+          <p:cNvSpPr>
+            <a:spLocks noGrp="1"/>
+          </p:cNvSpPr>
+          <p:nvPr>
+            <p:ph type="title"/>
+          </p:nvPr>
+        </p:nvSpPr>
+        <p:spPr/>
+        <p:txBody>
+          <a:bodyPr/>
+          <a:lstStyle/>
+          <a:p>
+            <a:r>
+              <a:rPr lang="en-GB" dirty="0" smtClean="0"/>
               <a:t>MySQL</a:t>
             </a:r>
             <a:endParaRPr lang="en-GB" dirty="0"/>
@@ -3620,7 +3646,7 @@
 </p:sld>
 </file>
 
-<file path=ppt/slides/slide15.xml><?xml version="1.0" encoding="utf-8"?>
+<file path=ppt/slides/slide16.xml><?xml version="1.0" encoding="utf-8"?>
 <p:sld xmlns:a="http://schemas.openxmlformats.org/drawingml/2006/main" xmlns:r="http://schemas.openxmlformats.org/officeDocument/2006/relationships" xmlns:p="http://schemas.openxmlformats.org/presentationml/2006/main">
   <p:cSld>
     <p:spTree>
@@ -3685,7 +3711,7 @@
 </p:sld>
 </file>
 
-<file path=ppt/slides/slide16.xml><?xml version="1.0" encoding="utf-8"?>
+<file path=ppt/slides/slide17.xml><?xml version="1.0" encoding="utf-8"?>
 <p:sld xmlns:a="http://schemas.openxmlformats.org/drawingml/2006/main" xmlns:r="http://schemas.openxmlformats.org/officeDocument/2006/relationships" xmlns:p="http://schemas.openxmlformats.org/presentationml/2006/main">
   <p:cSld>
     <p:spTree>
@@ -3800,6 +3826,14 @@
               <a:rPr lang="en-GB" dirty="0" err="1" smtClean="0"/>
               <a:t>Dharam</a:t>
             </a:r>
+            <a:r>
+              <a:rPr lang="en-GB" dirty="0" smtClean="0"/>
+              <a:t> </a:t>
+            </a:r>
+            <a:r>
+              <a:rPr lang="en-GB" dirty="0" err="1" smtClean="0"/>
+              <a:t>Godhaniya</a:t>
+            </a:r>
             <a:endParaRPr lang="en-GB" dirty="0"/>
           </a:p>
         </p:txBody>
@@ -4122,25 +4156,35 @@
           </a:p>
         </p:txBody>
       </p:sp>
-      <p:sp>
-        <p:nvSpPr>
-          <p:cNvPr id="3" name="Content Placeholder 2"/>
-          <p:cNvSpPr>
-            <a:spLocks noGrp="1"/>
-          </p:cNvSpPr>
+      <p:pic>
+        <p:nvPicPr>
+          <p:cNvPr id="4" name="Content Placeholder 3"/>
+          <p:cNvPicPr>
+            <a:picLocks noGrp="1" noChangeAspect="1"/>
+          </p:cNvPicPr>
           <p:nvPr>
             <p:ph idx="1"/>
           </p:nvPr>
-        </p:nvSpPr>
-        <p:spPr/>
-        <p:txBody>
-          <a:bodyPr/>
-          <a:lstStyle/>
-          <a:p>
-            <a:endParaRPr lang="en-GB" dirty="0"/>
-          </a:p>
-        </p:txBody>
-      </p:sp>
+        </p:nvPicPr>
+        <p:blipFill>
+          <a:blip r:embed="rId2">
+            <a:extLst>
+              <a:ext uri="{28A0092B-C50C-407E-A947-70E740481C1C}">
+                <a14:useLocalDpi xmlns:a14="http://schemas.microsoft.com/office/drawing/2010/main" val="0"/>
+              </a:ext>
+            </a:extLst>
+          </a:blip>
+          <a:stretch>
+            <a:fillRect/>
+          </a:stretch>
+        </p:blipFill>
+        <p:spPr>
+          <a:xfrm>
+            <a:off x="570941" y="1691178"/>
+            <a:ext cx="8002117" cy="4344007"/>
+          </a:xfrm>
+        </p:spPr>
+      </p:pic>
     </p:spTree>
     <p:extLst>
       <p:ext uri="{BB962C8B-B14F-4D97-AF65-F5344CB8AC3E}">
@@ -4203,25 +4247,35 @@
           </a:p>
         </p:txBody>
       </p:sp>
-      <p:sp>
-        <p:nvSpPr>
-          <p:cNvPr id="3" name="Content Placeholder 2"/>
-          <p:cNvSpPr>
-            <a:spLocks noGrp="1"/>
-          </p:cNvSpPr>
+      <p:pic>
+        <p:nvPicPr>
+          <p:cNvPr id="4" name="Content Placeholder 3"/>
+          <p:cNvPicPr>
+            <a:picLocks noGrp="1" noChangeAspect="1"/>
+          </p:cNvPicPr>
           <p:nvPr>
             <p:ph idx="1"/>
           </p:nvPr>
-        </p:nvSpPr>
-        <p:spPr/>
-        <p:txBody>
-          <a:bodyPr/>
-          <a:lstStyle/>
-          <a:p>
-            <a:endParaRPr lang="en-GB"/>
-          </a:p>
-        </p:txBody>
-      </p:sp>
+        </p:nvPicPr>
+        <p:blipFill>
+          <a:blip r:embed="rId2">
+            <a:extLst>
+              <a:ext uri="{28A0092B-C50C-407E-A947-70E740481C1C}">
+                <a14:useLocalDpi xmlns:a14="http://schemas.microsoft.com/office/drawing/2010/main" val="0"/>
+              </a:ext>
+            </a:extLst>
+          </a:blip>
+          <a:stretch>
+            <a:fillRect/>
+          </a:stretch>
+        </p:blipFill>
+        <p:spPr>
+          <a:xfrm>
+            <a:off x="1328278" y="1600200"/>
+            <a:ext cx="6487444" cy="4525963"/>
+          </a:xfrm>
+        </p:spPr>
+      </p:pic>
     </p:spTree>
     <p:extLst>
       <p:ext uri="{BB962C8B-B14F-4D97-AF65-F5344CB8AC3E}">
@@ -4266,66 +4320,63 @@
             <a:spLocks noGrp="1"/>
           </p:cNvSpPr>
           <p:nvPr>
-            <p:ph type="ctrTitle"/>
-          </p:nvPr>
-        </p:nvSpPr>
-        <p:spPr/>
-        <p:txBody>
-          <a:bodyPr/>
+            <p:ph type="title"/>
+          </p:nvPr>
+        </p:nvSpPr>
+        <p:spPr/>
+        <p:txBody>
+          <a:bodyPr>
+            <a:normAutofit/>
+          </a:bodyPr>
           <a:lstStyle/>
           <a:p>
             <a:r>
               <a:rPr lang="en-GB" dirty="0" smtClean="0"/>
-              <a:t>Alex </a:t>
-            </a:r>
-            <a:r>
-              <a:rPr lang="en-GB" dirty="0" err="1" smtClean="0"/>
-              <a:t>Mulkerrin</a:t>
-            </a:r>
-            <a:r>
-              <a:rPr lang="en-GB" dirty="0" smtClean="0"/>
-              <a:t> </a:t>
+              <a:t>Maven</a:t>
             </a:r>
             <a:endParaRPr lang="en-GB" dirty="0"/>
           </a:p>
         </p:txBody>
       </p:sp>
-      <p:sp>
-        <p:nvSpPr>
-          <p:cNvPr id="4" name="Subtitle 3"/>
-          <p:cNvSpPr>
-            <a:spLocks noGrp="1"/>
-          </p:cNvSpPr>
-          <p:nvPr>
-            <p:ph type="subTitle" idx="1"/>
-          </p:nvPr>
-        </p:nvSpPr>
-        <p:spPr/>
-        <p:txBody>
-          <a:bodyPr/>
-          <a:lstStyle/>
-          <a:p>
-            <a:endParaRPr lang="en-GB"/>
-          </a:p>
-        </p:txBody>
-      </p:sp>
+      <p:pic>
+        <p:nvPicPr>
+          <p:cNvPr id="4" name="Content Placeholder 3"/>
+          <p:cNvPicPr>
+            <a:picLocks noGrp="1" noChangeAspect="1"/>
+          </p:cNvPicPr>
+          <p:nvPr>
+            <p:ph idx="1"/>
+          </p:nvPr>
+        </p:nvPicPr>
+        <p:blipFill>
+          <a:blip r:embed="rId2">
+            <a:extLst>
+              <a:ext uri="{28A0092B-C50C-407E-A947-70E740481C1C}">
+                <a14:useLocalDpi xmlns:a14="http://schemas.microsoft.com/office/drawing/2010/main" val="0"/>
+              </a:ext>
+            </a:extLst>
+          </a:blip>
+          <a:stretch>
+            <a:fillRect/>
+          </a:stretch>
+        </p:blipFill>
+        <p:spPr>
+          <a:xfrm>
+            <a:off x="1094358" y="1600200"/>
+            <a:ext cx="6955283" cy="4525963"/>
+          </a:xfrm>
+        </p:spPr>
+      </p:pic>
     </p:spTree>
     <p:extLst>
       <p:ext uri="{BB962C8B-B14F-4D97-AF65-F5344CB8AC3E}">
-        <p14:creationId xmlns:p14="http://schemas.microsoft.com/office/powerpoint/2010/main" val="4173438648"/>
+        <p14:creationId xmlns:p14="http://schemas.microsoft.com/office/powerpoint/2010/main" val="3782813202"/>
       </p:ext>
     </p:extLst>
   </p:cSld>
   <p:clrMapOvr>
     <a:masterClrMapping/>
   </p:clrMapOvr>
-  <p:timing>
-    <p:tnLst>
-      <p:par>
-        <p:cTn id="1" dur="indefinite" restart="never" nodeType="tmRoot"/>
-      </p:par>
-    </p:tnLst>
-  </p:timing>
 </p:sld>
 </file>
 
@@ -4353,19 +4404,25 @@
             <a:spLocks noGrp="1"/>
           </p:cNvSpPr>
           <p:nvPr>
-            <p:ph type="title"/>
-          </p:nvPr>
-        </p:nvSpPr>
-        <p:spPr/>
-        <p:txBody>
-          <a:bodyPr>
-            <a:normAutofit/>
-          </a:bodyPr>
+            <p:ph type="ctrTitle"/>
+          </p:nvPr>
+        </p:nvSpPr>
+        <p:spPr/>
+        <p:txBody>
+          <a:bodyPr/>
           <a:lstStyle/>
           <a:p>
             <a:r>
               <a:rPr lang="en-GB" dirty="0" smtClean="0"/>
-              <a:t>Puppet Master</a:t>
+              <a:t>Alex </a:t>
+            </a:r>
+            <a:r>
+              <a:rPr lang="en-GB" dirty="0" err="1" smtClean="0"/>
+              <a:t>Mulkerrin</a:t>
+            </a:r>
+            <a:r>
+              <a:rPr lang="en-GB" dirty="0" smtClean="0"/>
+              <a:t> </a:t>
             </a:r>
             <a:endParaRPr lang="en-GB" dirty="0"/>
           </a:p>
@@ -4373,12 +4430,12 @@
       </p:sp>
       <p:sp>
         <p:nvSpPr>
-          <p:cNvPr id="3" name="Content Placeholder 2"/>
-          <p:cNvSpPr>
-            <a:spLocks noGrp="1"/>
-          </p:cNvSpPr>
-          <p:nvPr>
-            <p:ph idx="1"/>
+          <p:cNvPr id="4" name="Subtitle 3"/>
+          <p:cNvSpPr>
+            <a:spLocks noGrp="1"/>
+          </p:cNvSpPr>
+          <p:nvPr>
+            <p:ph type="subTitle" idx="1"/>
           </p:nvPr>
         </p:nvSpPr>
         <p:spPr/>
@@ -4393,7 +4450,7 @@
     </p:spTree>
     <p:extLst>
       <p:ext uri="{BB962C8B-B14F-4D97-AF65-F5344CB8AC3E}">
-        <p14:creationId xmlns:p14="http://schemas.microsoft.com/office/powerpoint/2010/main" val="3458420258"/>
+        <p14:creationId xmlns:p14="http://schemas.microsoft.com/office/powerpoint/2010/main" val="4173438648"/>
       </p:ext>
     </p:extLst>
   </p:cSld>
